--- a/GitHub Seminario.pptx
+++ b/GitHub Seminario.pptx
@@ -10,11 +10,14 @@
     <p:sldId id="259" r:id="rId4"/>
     <p:sldId id="258" r:id="rId5"/>
     <p:sldId id="260" r:id="rId6"/>
-    <p:sldId id="263" r:id="rId7"/>
-    <p:sldId id="264" r:id="rId8"/>
-    <p:sldId id="265" r:id="rId9"/>
-    <p:sldId id="266" r:id="rId10"/>
-    <p:sldId id="261" r:id="rId11"/>
+    <p:sldId id="267" r:id="rId7"/>
+    <p:sldId id="263" r:id="rId8"/>
+    <p:sldId id="269" r:id="rId9"/>
+    <p:sldId id="268" r:id="rId10"/>
+    <p:sldId id="264" r:id="rId11"/>
+    <p:sldId id="265" r:id="rId12"/>
+    <p:sldId id="266" r:id="rId13"/>
+    <p:sldId id="261" r:id="rId14"/>
   </p:sldIdLst>
   <p:sldSz cx="9144000" cy="6858000" type="screen4x3"/>
   <p:notesSz cx="6858000" cy="9144000"/>
@@ -289,7 +292,8 @@
           <a:p>
             <a:fld id="{3D3B389D-63DB-4552-88B5-375F1AD30593}" type="datetimeFigureOut">
               <a:rPr lang="pt-BR" smtClean="0"/>
-              <a:t>14/06/2014</a:t>
+              <a:pPr/>
+              <a:t>29/06/2014</a:t>
             </a:fld>
             <a:endParaRPr lang="pt-BR"/>
           </a:p>
@@ -331,6 +335,7 @@
           <a:p>
             <a:fld id="{0B694081-36A6-482A-97E8-41CE48B7F4DB}" type="slidenum">
               <a:rPr lang="pt-BR" smtClean="0"/>
+              <a:pPr/>
               <a:t>‹nº›</a:t>
             </a:fld>
             <a:endParaRPr lang="pt-BR"/>
@@ -454,7 +459,8 @@
           <a:p>
             <a:fld id="{3D3B389D-63DB-4552-88B5-375F1AD30593}" type="datetimeFigureOut">
               <a:rPr lang="pt-BR" smtClean="0"/>
-              <a:t>14/06/2014</a:t>
+              <a:pPr/>
+              <a:t>29/06/2014</a:t>
             </a:fld>
             <a:endParaRPr lang="pt-BR"/>
           </a:p>
@@ -496,6 +502,7 @@
           <a:p>
             <a:fld id="{0B694081-36A6-482A-97E8-41CE48B7F4DB}" type="slidenum">
               <a:rPr lang="pt-BR" smtClean="0"/>
+              <a:pPr/>
               <a:t>‹nº›</a:t>
             </a:fld>
             <a:endParaRPr lang="pt-BR"/>
@@ -629,7 +636,8 @@
           <a:p>
             <a:fld id="{3D3B389D-63DB-4552-88B5-375F1AD30593}" type="datetimeFigureOut">
               <a:rPr lang="pt-BR" smtClean="0"/>
-              <a:t>14/06/2014</a:t>
+              <a:pPr/>
+              <a:t>29/06/2014</a:t>
             </a:fld>
             <a:endParaRPr lang="pt-BR"/>
           </a:p>
@@ -671,6 +679,7 @@
           <a:p>
             <a:fld id="{0B694081-36A6-482A-97E8-41CE48B7F4DB}" type="slidenum">
               <a:rPr lang="pt-BR" smtClean="0"/>
+              <a:pPr/>
               <a:t>‹nº›</a:t>
             </a:fld>
             <a:endParaRPr lang="pt-BR"/>
@@ -794,7 +803,8 @@
           <a:p>
             <a:fld id="{3D3B389D-63DB-4552-88B5-375F1AD30593}" type="datetimeFigureOut">
               <a:rPr lang="pt-BR" smtClean="0"/>
-              <a:t>14/06/2014</a:t>
+              <a:pPr/>
+              <a:t>29/06/2014</a:t>
             </a:fld>
             <a:endParaRPr lang="pt-BR"/>
           </a:p>
@@ -836,6 +846,7 @@
           <a:p>
             <a:fld id="{0B694081-36A6-482A-97E8-41CE48B7F4DB}" type="slidenum">
               <a:rPr lang="pt-BR" smtClean="0"/>
+              <a:pPr/>
               <a:t>‹nº›</a:t>
             </a:fld>
             <a:endParaRPr lang="pt-BR"/>
@@ -1036,7 +1047,8 @@
           <a:p>
             <a:fld id="{3D3B389D-63DB-4552-88B5-375F1AD30593}" type="datetimeFigureOut">
               <a:rPr lang="pt-BR" smtClean="0"/>
-              <a:t>14/06/2014</a:t>
+              <a:pPr/>
+              <a:t>29/06/2014</a:t>
             </a:fld>
             <a:endParaRPr lang="pt-BR"/>
           </a:p>
@@ -1078,6 +1090,7 @@
           <a:p>
             <a:fld id="{0B694081-36A6-482A-97E8-41CE48B7F4DB}" type="slidenum">
               <a:rPr lang="pt-BR" smtClean="0"/>
+              <a:pPr/>
               <a:t>‹nº›</a:t>
             </a:fld>
             <a:endParaRPr lang="pt-BR"/>
@@ -1300,7 +1313,8 @@
           <a:p>
             <a:fld id="{3D3B389D-63DB-4552-88B5-375F1AD30593}" type="datetimeFigureOut">
               <a:rPr lang="pt-BR" smtClean="0"/>
-              <a:t>14/06/2014</a:t>
+              <a:pPr/>
+              <a:t>29/06/2014</a:t>
             </a:fld>
             <a:endParaRPr lang="pt-BR"/>
           </a:p>
@@ -1342,6 +1356,7 @@
           <a:p>
             <a:fld id="{0B694081-36A6-482A-97E8-41CE48B7F4DB}" type="slidenum">
               <a:rPr lang="pt-BR" smtClean="0"/>
+              <a:pPr/>
               <a:t>‹nº›</a:t>
             </a:fld>
             <a:endParaRPr lang="pt-BR"/>
@@ -1678,7 +1693,8 @@
           <a:p>
             <a:fld id="{3D3B389D-63DB-4552-88B5-375F1AD30593}" type="datetimeFigureOut">
               <a:rPr lang="pt-BR" smtClean="0"/>
-              <a:t>14/06/2014</a:t>
+              <a:pPr/>
+              <a:t>29/06/2014</a:t>
             </a:fld>
             <a:endParaRPr lang="pt-BR"/>
           </a:p>
@@ -1720,6 +1736,7 @@
           <a:p>
             <a:fld id="{0B694081-36A6-482A-97E8-41CE48B7F4DB}" type="slidenum">
               <a:rPr lang="pt-BR" smtClean="0"/>
+              <a:pPr/>
               <a:t>‹nº›</a:t>
             </a:fld>
             <a:endParaRPr lang="pt-BR"/>
@@ -1828,7 +1845,8 @@
           <a:p>
             <a:fld id="{3D3B389D-63DB-4552-88B5-375F1AD30593}" type="datetimeFigureOut">
               <a:rPr lang="pt-BR" smtClean="0"/>
-              <a:t>14/06/2014</a:t>
+              <a:pPr/>
+              <a:t>29/06/2014</a:t>
             </a:fld>
             <a:endParaRPr lang="pt-BR"/>
           </a:p>
@@ -1870,6 +1888,7 @@
           <a:p>
             <a:fld id="{0B694081-36A6-482A-97E8-41CE48B7F4DB}" type="slidenum">
               <a:rPr lang="pt-BR" smtClean="0"/>
+              <a:pPr/>
               <a:t>‹nº›</a:t>
             </a:fld>
             <a:endParaRPr lang="pt-BR"/>
@@ -1918,7 +1937,8 @@
           <a:p>
             <a:fld id="{3D3B389D-63DB-4552-88B5-375F1AD30593}" type="datetimeFigureOut">
               <a:rPr lang="pt-BR" smtClean="0"/>
-              <a:t>14/06/2014</a:t>
+              <a:pPr/>
+              <a:t>29/06/2014</a:t>
             </a:fld>
             <a:endParaRPr lang="pt-BR"/>
           </a:p>
@@ -1960,6 +1980,7 @@
           <a:p>
             <a:fld id="{0B694081-36A6-482A-97E8-41CE48B7F4DB}" type="slidenum">
               <a:rPr lang="pt-BR" smtClean="0"/>
+              <a:pPr/>
               <a:t>‹nº›</a:t>
             </a:fld>
             <a:endParaRPr lang="pt-BR"/>
@@ -2179,7 +2200,8 @@
           <a:p>
             <a:fld id="{3D3B389D-63DB-4552-88B5-375F1AD30593}" type="datetimeFigureOut">
               <a:rPr lang="pt-BR" smtClean="0"/>
-              <a:t>14/06/2014</a:t>
+              <a:pPr/>
+              <a:t>29/06/2014</a:t>
             </a:fld>
             <a:endParaRPr lang="pt-BR"/>
           </a:p>
@@ -2221,6 +2243,7 @@
           <a:p>
             <a:fld id="{0B694081-36A6-482A-97E8-41CE48B7F4DB}" type="slidenum">
               <a:rPr lang="pt-BR" smtClean="0"/>
+              <a:pPr/>
               <a:t>‹nº›</a:t>
             </a:fld>
             <a:endParaRPr lang="pt-BR"/>
@@ -2467,7 +2490,8 @@
           <a:p>
             <a:fld id="{3D3B389D-63DB-4552-88B5-375F1AD30593}" type="datetimeFigureOut">
               <a:rPr lang="pt-BR" smtClean="0"/>
-              <a:t>14/06/2014</a:t>
+              <a:pPr/>
+              <a:t>29/06/2014</a:t>
             </a:fld>
             <a:endParaRPr lang="pt-BR"/>
           </a:p>
@@ -2514,6 +2538,7 @@
           <a:p>
             <a:fld id="{0B694081-36A6-482A-97E8-41CE48B7F4DB}" type="slidenum">
               <a:rPr lang="pt-BR" smtClean="0"/>
+              <a:pPr/>
               <a:t>‹nº›</a:t>
             </a:fld>
             <a:endParaRPr lang="pt-BR"/>
@@ -3238,7 +3263,8 @@
           <a:p>
             <a:fld id="{3D3B389D-63DB-4552-88B5-375F1AD30593}" type="datetimeFigureOut">
               <a:rPr lang="pt-BR" smtClean="0"/>
-              <a:t>14/06/2014</a:t>
+              <a:pPr/>
+              <a:t>29/06/2014</a:t>
             </a:fld>
             <a:endParaRPr lang="pt-BR"/>
           </a:p>
@@ -3316,6 +3342,7 @@
           <a:p>
             <a:fld id="{0B694081-36A6-482A-97E8-41CE48B7F4DB}" type="slidenum">
               <a:rPr lang="pt-BR" smtClean="0"/>
+              <a:pPr/>
               <a:t>‹nº›</a:t>
             </a:fld>
             <a:endParaRPr lang="pt-BR"/>
@@ -4029,6 +4056,390 @@
         </p:nvSpPr>
         <p:spPr>
           <a:xfrm>
+            <a:off x="1000100" y="571480"/>
+            <a:ext cx="7643866" cy="928694"/>
+          </a:xfrm>
+        </p:spPr>
+        <p:txBody>
+          <a:bodyPr>
+            <a:normAutofit fontScale="90000"/>
+          </a:bodyPr>
+          <a:lstStyle/>
+          <a:p>
+            <a:pPr algn="l"/>
+            <a:r>
+              <a:rPr lang="pt-BR" sz="3600" dirty="0" smtClean="0">
+                <a:latin typeface="Arial Black" pitchFamily="34" charset="0"/>
+              </a:rPr>
+              <a:t>GitHub Explore</a:t>
+            </a:r>
+            <a:r>
+              <a:rPr lang="pt-BR" dirty="0" smtClean="0"/>
+              <a:t/>
+            </a:r>
+            <a:br>
+              <a:rPr lang="pt-BR" dirty="0" smtClean="0"/>
+            </a:br>
+            <a:endParaRPr lang="pt-BR" dirty="0"/>
+          </a:p>
+        </p:txBody>
+      </p:sp>
+      <p:sp>
+        <p:nvSpPr>
+          <p:cNvPr id="3" name="Subtítulo 2"/>
+          <p:cNvSpPr>
+            <a:spLocks noGrp="1"/>
+          </p:cNvSpPr>
+          <p:nvPr>
+            <p:ph type="subTitle" idx="1"/>
+          </p:nvPr>
+        </p:nvSpPr>
+        <p:spPr>
+          <a:xfrm>
+            <a:off x="214282" y="1285860"/>
+            <a:ext cx="8572560" cy="5072098"/>
+          </a:xfrm>
+        </p:spPr>
+        <p:txBody>
+          <a:bodyPr>
+            <a:normAutofit/>
+          </a:bodyPr>
+          <a:lstStyle/>
+          <a:p>
+            <a:pPr algn="just"/>
+            <a:r>
+              <a:rPr lang="pt-BR" sz="2800" dirty="0" smtClean="0"/>
+              <a:t> Explorar outros projetos que utilizam o github para publicações e versionamento;</a:t>
+            </a:r>
+          </a:p>
+        </p:txBody>
+      </p:sp>
+    </p:spTree>
+  </p:cSld>
+  <p:clrMapOvr>
+    <a:masterClrMapping/>
+  </p:clrMapOvr>
+  <p:timing>
+    <p:tnLst>
+      <p:par>
+        <p:cTn id="1" dur="indefinite" restart="never" nodeType="tmRoot"/>
+      </p:par>
+    </p:tnLst>
+  </p:timing>
+</p:sld>
+</file>
+
+<file path=ppt/slides/slide11.xml><?xml version="1.0" encoding="utf-8"?>
+<p:sld xmlns:a="http://schemas.openxmlformats.org/drawingml/2006/main" xmlns:r="http://schemas.openxmlformats.org/officeDocument/2006/relationships" xmlns:p="http://schemas.openxmlformats.org/presentationml/2006/main">
+  <p:cSld>
+    <p:spTree>
+      <p:nvGrpSpPr>
+        <p:cNvPr id="1" name=""/>
+        <p:cNvGrpSpPr/>
+        <p:nvPr/>
+      </p:nvGrpSpPr>
+      <p:grpSpPr>
+        <a:xfrm>
+          <a:off x="0" y="0"/>
+          <a:ext cx="0" cy="0"/>
+          <a:chOff x="0" y="0"/>
+          <a:chExt cx="0" cy="0"/>
+        </a:xfrm>
+      </p:grpSpPr>
+      <p:pic>
+        <p:nvPicPr>
+          <p:cNvPr id="1026" name="Picture 2" descr="Github Social Coding"/>
+          <p:cNvPicPr>
+            <a:picLocks noChangeAspect="1" noChangeArrowheads="1"/>
+          </p:cNvPicPr>
+          <p:nvPr/>
+        </p:nvPicPr>
+        <p:blipFill>
+          <a:blip r:embed="rId2"/>
+          <a:srcRect/>
+          <a:stretch>
+            <a:fillRect/>
+          </a:stretch>
+        </p:blipFill>
+        <p:spPr bwMode="auto">
+          <a:xfrm>
+            <a:off x="142844" y="142852"/>
+            <a:ext cx="734725" cy="928693"/>
+          </a:xfrm>
+          <a:prstGeom prst="rect">
+            <a:avLst/>
+          </a:prstGeom>
+          <a:noFill/>
+        </p:spPr>
+      </p:pic>
+      <p:sp>
+        <p:nvSpPr>
+          <p:cNvPr id="2" name="Título 1"/>
+          <p:cNvSpPr>
+            <a:spLocks noGrp="1"/>
+          </p:cNvSpPr>
+          <p:nvPr>
+            <p:ph type="ctrTitle"/>
+          </p:nvPr>
+        </p:nvSpPr>
+        <p:spPr>
+          <a:xfrm>
+            <a:off x="1000100" y="571480"/>
+            <a:ext cx="7643866" cy="928694"/>
+          </a:xfrm>
+        </p:spPr>
+        <p:txBody>
+          <a:bodyPr>
+            <a:normAutofit fontScale="90000"/>
+          </a:bodyPr>
+          <a:lstStyle/>
+          <a:p>
+            <a:pPr algn="l"/>
+            <a:r>
+              <a:rPr lang="pt-BR" sz="3600" dirty="0" smtClean="0">
+                <a:latin typeface="Arial Black" pitchFamily="34" charset="0"/>
+              </a:rPr>
+              <a:t>GitHub Gist</a:t>
+            </a:r>
+            <a:r>
+              <a:rPr lang="pt-BR" dirty="0" smtClean="0"/>
+              <a:t/>
+            </a:r>
+            <a:br>
+              <a:rPr lang="pt-BR" dirty="0" smtClean="0"/>
+            </a:br>
+            <a:endParaRPr lang="pt-BR" dirty="0"/>
+          </a:p>
+        </p:txBody>
+      </p:sp>
+      <p:sp>
+        <p:nvSpPr>
+          <p:cNvPr id="3" name="Subtítulo 2"/>
+          <p:cNvSpPr>
+            <a:spLocks noGrp="1"/>
+          </p:cNvSpPr>
+          <p:nvPr>
+            <p:ph type="subTitle" idx="1"/>
+          </p:nvPr>
+        </p:nvSpPr>
+        <p:spPr>
+          <a:xfrm>
+            <a:off x="214282" y="1285860"/>
+            <a:ext cx="8572560" cy="5072098"/>
+          </a:xfrm>
+        </p:spPr>
+        <p:txBody>
+          <a:bodyPr>
+            <a:normAutofit/>
+          </a:bodyPr>
+          <a:lstStyle/>
+          <a:p>
+            <a:pPr algn="just"/>
+            <a:r>
+              <a:rPr lang="pt-BR" sz="2800" dirty="0" smtClean="0"/>
+              <a:t>   É uma maneira simples de compartilhar trechos e pastas com outras pessoas. Todos os gists são repositórios Git, então eles são automaticamente versionados, forkable e utilizável do Git.</a:t>
+            </a:r>
+          </a:p>
+        </p:txBody>
+      </p:sp>
+    </p:spTree>
+  </p:cSld>
+  <p:clrMapOvr>
+    <a:masterClrMapping/>
+  </p:clrMapOvr>
+  <p:timing>
+    <p:tnLst>
+      <p:par>
+        <p:cTn id="1" dur="indefinite" restart="never" nodeType="tmRoot"/>
+      </p:par>
+    </p:tnLst>
+  </p:timing>
+</p:sld>
+</file>
+
+<file path=ppt/slides/slide12.xml><?xml version="1.0" encoding="utf-8"?>
+<p:sld xmlns:a="http://schemas.openxmlformats.org/drawingml/2006/main" xmlns:r="http://schemas.openxmlformats.org/officeDocument/2006/relationships" xmlns:p="http://schemas.openxmlformats.org/presentationml/2006/main">
+  <p:cSld>
+    <p:spTree>
+      <p:nvGrpSpPr>
+        <p:cNvPr id="1" name=""/>
+        <p:cNvGrpSpPr/>
+        <p:nvPr/>
+      </p:nvGrpSpPr>
+      <p:grpSpPr>
+        <a:xfrm>
+          <a:off x="0" y="0"/>
+          <a:ext cx="0" cy="0"/>
+          <a:chOff x="0" y="0"/>
+          <a:chExt cx="0" cy="0"/>
+        </a:xfrm>
+      </p:grpSpPr>
+      <p:pic>
+        <p:nvPicPr>
+          <p:cNvPr id="1026" name="Picture 2" descr="Github Social Coding"/>
+          <p:cNvPicPr>
+            <a:picLocks noChangeAspect="1" noChangeArrowheads="1"/>
+          </p:cNvPicPr>
+          <p:nvPr/>
+        </p:nvPicPr>
+        <p:blipFill>
+          <a:blip r:embed="rId2"/>
+          <a:srcRect/>
+          <a:stretch>
+            <a:fillRect/>
+          </a:stretch>
+        </p:blipFill>
+        <p:spPr bwMode="auto">
+          <a:xfrm>
+            <a:off x="142844" y="142852"/>
+            <a:ext cx="734725" cy="928693"/>
+          </a:xfrm>
+          <a:prstGeom prst="rect">
+            <a:avLst/>
+          </a:prstGeom>
+          <a:noFill/>
+        </p:spPr>
+      </p:pic>
+      <p:sp>
+        <p:nvSpPr>
+          <p:cNvPr id="2" name="Título 1"/>
+          <p:cNvSpPr>
+            <a:spLocks noGrp="1"/>
+          </p:cNvSpPr>
+          <p:nvPr>
+            <p:ph type="ctrTitle"/>
+          </p:nvPr>
+        </p:nvSpPr>
+        <p:spPr>
+          <a:xfrm>
+            <a:off x="1000100" y="571480"/>
+            <a:ext cx="7643866" cy="928694"/>
+          </a:xfrm>
+        </p:spPr>
+        <p:txBody>
+          <a:bodyPr>
+            <a:normAutofit fontScale="90000"/>
+          </a:bodyPr>
+          <a:lstStyle/>
+          <a:p>
+            <a:pPr algn="l"/>
+            <a:r>
+              <a:rPr lang="pt-BR" sz="3600" dirty="0" smtClean="0">
+                <a:latin typeface="Arial Black" pitchFamily="34" charset="0"/>
+              </a:rPr>
+              <a:t>GitHub Blog</a:t>
+            </a:r>
+            <a:r>
+              <a:rPr lang="pt-BR" dirty="0" smtClean="0"/>
+              <a:t/>
+            </a:r>
+            <a:br>
+              <a:rPr lang="pt-BR" dirty="0" smtClean="0"/>
+            </a:br>
+            <a:endParaRPr lang="pt-BR" dirty="0"/>
+          </a:p>
+        </p:txBody>
+      </p:sp>
+      <p:sp>
+        <p:nvSpPr>
+          <p:cNvPr id="3" name="Subtítulo 2"/>
+          <p:cNvSpPr>
+            <a:spLocks noGrp="1"/>
+          </p:cNvSpPr>
+          <p:nvPr>
+            <p:ph type="subTitle" idx="1"/>
+          </p:nvPr>
+        </p:nvSpPr>
+        <p:spPr>
+          <a:xfrm>
+            <a:off x="214282" y="1285860"/>
+            <a:ext cx="8572560" cy="5072098"/>
+          </a:xfrm>
+        </p:spPr>
+        <p:txBody>
+          <a:bodyPr>
+            <a:normAutofit/>
+          </a:bodyPr>
+          <a:lstStyle/>
+          <a:p>
+            <a:pPr algn="just"/>
+            <a:r>
+              <a:rPr lang="pt-BR" sz="2800" dirty="0" smtClean="0"/>
+              <a:t>   abrir o blog da comunidade do github;</a:t>
+            </a:r>
+          </a:p>
+        </p:txBody>
+      </p:sp>
+    </p:spTree>
+  </p:cSld>
+  <p:clrMapOvr>
+    <a:masterClrMapping/>
+  </p:clrMapOvr>
+  <p:timing>
+    <p:tnLst>
+      <p:par>
+        <p:cTn id="1" dur="indefinite" restart="never" nodeType="tmRoot"/>
+      </p:par>
+    </p:tnLst>
+  </p:timing>
+</p:sld>
+</file>
+
+<file path=ppt/slides/slide13.xml><?xml version="1.0" encoding="utf-8"?>
+<p:sld xmlns:a="http://schemas.openxmlformats.org/drawingml/2006/main" xmlns:r="http://schemas.openxmlformats.org/officeDocument/2006/relationships" xmlns:p="http://schemas.openxmlformats.org/presentationml/2006/main">
+  <p:cSld>
+    <p:spTree>
+      <p:nvGrpSpPr>
+        <p:cNvPr id="1" name=""/>
+        <p:cNvGrpSpPr/>
+        <p:nvPr/>
+      </p:nvGrpSpPr>
+      <p:grpSpPr>
+        <a:xfrm>
+          <a:off x="0" y="0"/>
+          <a:ext cx="0" cy="0"/>
+          <a:chOff x="0" y="0"/>
+          <a:chExt cx="0" cy="0"/>
+        </a:xfrm>
+      </p:grpSpPr>
+      <p:pic>
+        <p:nvPicPr>
+          <p:cNvPr id="1026" name="Picture 2" descr="Github Social Coding"/>
+          <p:cNvPicPr>
+            <a:picLocks noChangeAspect="1" noChangeArrowheads="1"/>
+          </p:cNvPicPr>
+          <p:nvPr/>
+        </p:nvPicPr>
+        <p:blipFill>
+          <a:blip r:embed="rId2"/>
+          <a:srcRect/>
+          <a:stretch>
+            <a:fillRect/>
+          </a:stretch>
+        </p:blipFill>
+        <p:spPr bwMode="auto">
+          <a:xfrm>
+            <a:off x="142844" y="142852"/>
+            <a:ext cx="734725" cy="928693"/>
+          </a:xfrm>
+          <a:prstGeom prst="rect">
+            <a:avLst/>
+          </a:prstGeom>
+          <a:noFill/>
+        </p:spPr>
+      </p:pic>
+      <p:sp>
+        <p:nvSpPr>
+          <p:cNvPr id="2" name="Título 1"/>
+          <p:cNvSpPr>
+            <a:spLocks noGrp="1"/>
+          </p:cNvSpPr>
+          <p:nvPr>
+            <p:ph type="ctrTitle"/>
+          </p:nvPr>
+        </p:nvSpPr>
+        <p:spPr>
+          <a:xfrm>
             <a:off x="1000100" y="357166"/>
             <a:ext cx="7643866" cy="1285884"/>
           </a:xfrm>
@@ -4094,11 +4505,7 @@
             <a:pPr algn="just"/>
             <a:r>
               <a:rPr lang="pt-BR" sz="2400" dirty="0" smtClean="0"/>
-              <a:t>Diversos projetos grandes já estão no </a:t>
-            </a:r>
-            <a:r>
-              <a:rPr lang="pt-BR" sz="2400" dirty="0" smtClean="0"/>
-              <a:t>GitHub. Listamos alguns repositórios:</a:t>
+              <a:t>Diversos projetos grandes já estão no GitHub. Listamos alguns repositórios:</a:t>
             </a:r>
           </a:p>
           <a:p>
@@ -4107,7 +4514,6 @@
               <a:rPr lang="pt-BR" sz="2400" dirty="0" smtClean="0"/>
               <a:t>      VRAPTOR (https://github.com/caelum/vraptor)</a:t>
             </a:r>
-            <a:endParaRPr lang="pt-BR" sz="2400" dirty="0" smtClean="0"/>
           </a:p>
           <a:p>
             <a:pPr algn="just"/>
@@ -4115,7 +4521,6 @@
               <a:rPr lang="pt-BR" sz="2400" dirty="0" smtClean="0"/>
               <a:t>      JQUERY (https://github.com/jquery/jquery)</a:t>
             </a:r>
-            <a:endParaRPr lang="pt-BR" sz="2400" dirty="0" smtClean="0"/>
           </a:p>
           <a:p>
             <a:pPr algn="just"/>
@@ -4251,7 +4656,6 @@
               <a:rPr lang="pt-BR" sz="2800" dirty="0" smtClean="0"/>
               <a:t>1 )Apresentação</a:t>
             </a:r>
-            <a:endParaRPr lang="pt-BR" sz="2800" dirty="0" smtClean="0"/>
           </a:p>
           <a:p>
             <a:pPr algn="l"/>
@@ -4259,82 +4663,48 @@
               <a:rPr lang="pt-BR" sz="2800" dirty="0" smtClean="0"/>
               <a:t>2)Iniciando GitHub;</a:t>
             </a:r>
-            <a:endParaRPr lang="pt-BR" sz="2800" dirty="0" smtClean="0"/>
           </a:p>
           <a:p>
             <a:pPr algn="l"/>
             <a:r>
               <a:rPr lang="pt-BR" sz="2800" dirty="0" smtClean="0"/>
-              <a:t>3)GitHub </a:t>
-            </a:r>
+              <a:t>3)GitHub For Windows;</a:t>
+            </a:r>
+          </a:p>
+          <a:p>
+            <a:pPr algn="l"/>
             <a:r>
               <a:rPr lang="pt-BR" sz="2800" dirty="0" smtClean="0"/>
-              <a:t>(GitHub Bootcamp</a:t>
-            </a:r>
+              <a:t>4)GitHub (GitHub Bootcamp);</a:t>
+            </a:r>
+          </a:p>
+          <a:p>
+            <a:pPr algn="l"/>
             <a:r>
               <a:rPr lang="pt-BR" sz="2800" dirty="0" smtClean="0"/>
-              <a:t>);</a:t>
-            </a:r>
-            <a:endParaRPr lang="pt-BR" sz="2800" dirty="0" smtClean="0"/>
+              <a:t>5)GitHub (Explore GitHub);</a:t>
+            </a:r>
           </a:p>
           <a:p>
             <a:pPr algn="l"/>
             <a:r>
               <a:rPr lang="pt-BR" sz="2800" dirty="0" smtClean="0"/>
-              <a:t>4)GitHub </a:t>
-            </a:r>
+              <a:t>6)GitHub (GitHub Gist);</a:t>
+            </a:r>
+          </a:p>
+          <a:p>
+            <a:pPr algn="l"/>
             <a:r>
               <a:rPr lang="pt-BR" sz="2800" dirty="0" smtClean="0"/>
-              <a:t>(Explore GitHub</a:t>
-            </a:r>
+              <a:t>7) GitHub ( The GitHub Blog);</a:t>
+            </a:r>
+          </a:p>
+          <a:p>
+            <a:pPr algn="l"/>
             <a:r>
               <a:rPr lang="pt-BR" sz="2800" dirty="0" smtClean="0"/>
-              <a:t>);</a:t>
-            </a:r>
-            <a:endParaRPr lang="pt-BR" sz="2800" dirty="0" smtClean="0"/>
-          </a:p>
-          <a:p>
-            <a:pPr algn="l"/>
-            <a:r>
-              <a:rPr lang="pt-BR" sz="2800" dirty="0" smtClean="0"/>
-              <a:t>5)GitHub </a:t>
-            </a:r>
-            <a:r>
-              <a:rPr lang="pt-BR" sz="2800" dirty="0" smtClean="0"/>
-              <a:t>(GitHub Gist</a:t>
-            </a:r>
-            <a:r>
-              <a:rPr lang="pt-BR" sz="2800" dirty="0" smtClean="0"/>
-              <a:t>);</a:t>
-            </a:r>
-            <a:endParaRPr lang="pt-BR" sz="2800" dirty="0" smtClean="0"/>
-          </a:p>
-          <a:p>
-            <a:pPr algn="l"/>
-            <a:r>
-              <a:rPr lang="pt-BR" sz="2800" dirty="0" smtClean="0"/>
-              <a:t>6) </a:t>
-            </a:r>
-            <a:r>
-              <a:rPr lang="pt-BR" sz="2800" dirty="0" smtClean="0"/>
-              <a:t>GitHub ( The GitHub Blog</a:t>
-            </a:r>
-            <a:r>
-              <a:rPr lang="pt-BR" sz="2800" dirty="0" smtClean="0"/>
-              <a:t>);</a:t>
-            </a:r>
-          </a:p>
-          <a:p>
-            <a:pPr algn="l"/>
-            <a:r>
-              <a:rPr lang="pt-BR" sz="2800" dirty="0" smtClean="0"/>
-              <a:t>7</a:t>
-            </a:r>
-            <a:r>
-              <a:rPr lang="pt-BR" sz="2800" dirty="0" smtClean="0"/>
-              <a:t>) Conclusão</a:t>
-            </a:r>
-            <a:endParaRPr lang="pt-BR" sz="2800" dirty="0" smtClean="0"/>
+              <a:t>8) Conclusão</a:t>
+            </a:r>
           </a:p>
           <a:p>
             <a:pPr algn="l"/>
@@ -4478,19 +4848,7 @@
             </a:pPr>
             <a:r>
               <a:rPr lang="pt-BR" sz="2800" dirty="0" smtClean="0"/>
-              <a:t> </a:t>
-            </a:r>
-            <a:r>
-              <a:rPr lang="pt-BR" sz="2800" dirty="0" smtClean="0"/>
-              <a:t>Compartilhe </a:t>
-            </a:r>
-            <a:r>
-              <a:rPr lang="pt-BR" sz="2800" dirty="0" smtClean="0"/>
-              <a:t>seus </a:t>
-            </a:r>
-            <a:r>
-              <a:rPr lang="pt-BR" sz="2800" dirty="0" smtClean="0"/>
-              <a:t>projetos;</a:t>
+              <a:t> Compartilhe seus projetos;</a:t>
             </a:r>
           </a:p>
           <a:p>
@@ -4500,11 +4858,7 @@
             </a:pPr>
             <a:r>
               <a:rPr lang="pt-BR" sz="2800" dirty="0" smtClean="0"/>
-              <a:t> Utilize-o como </a:t>
-            </a:r>
-            <a:r>
-              <a:rPr lang="pt-BR" sz="2800" dirty="0" smtClean="0"/>
-              <a:t>portifólio;</a:t>
+              <a:t> Utilize-o como portifólio;</a:t>
             </a:r>
           </a:p>
           <a:p>
@@ -4515,15 +4869,7 @@
             </a:r>
             <a:r>
               <a:rPr lang="pt-BR" sz="2000" dirty="0" smtClean="0"/>
-              <a:t>Facilita que clientes </a:t>
-            </a:r>
-            <a:r>
-              <a:rPr lang="pt-BR" sz="2000" dirty="0" smtClean="0"/>
-              <a:t>e empresas conhecerem melhor os seus trabalhos </a:t>
-            </a:r>
-            <a:r>
-              <a:rPr lang="pt-BR" sz="2000" dirty="0" smtClean="0"/>
-              <a:t>na web.</a:t>
+              <a:t>Facilita que clientes e empresas conhecerem melhor os seus trabalhos na web.</a:t>
             </a:r>
           </a:p>
           <a:p>
@@ -4533,28 +4879,15 @@
             </a:pPr>
             <a:r>
               <a:rPr lang="pt-BR" sz="2800" dirty="0" smtClean="0"/>
-              <a:t> Integração com </a:t>
-            </a:r>
-            <a:r>
-              <a:rPr lang="pt-BR" sz="2800" dirty="0" smtClean="0"/>
-              <a:t>Git;</a:t>
+              <a:t> Integração com Git;</a:t>
             </a:r>
           </a:p>
           <a:p>
             <a:pPr algn="just"/>
             <a:r>
               <a:rPr lang="pt-BR" sz="2000" dirty="0" smtClean="0"/>
-              <a:t>       </a:t>
-            </a:r>
-            <a:r>
-              <a:rPr lang="pt-BR" sz="2000" dirty="0" smtClean="0"/>
-              <a:t>Para o funcionamento do Github será necessário a instalação do git no </a:t>
-            </a:r>
-            <a:r>
-              <a:rPr lang="pt-BR" sz="2000" dirty="0" smtClean="0"/>
-              <a:t>computador.</a:t>
-            </a:r>
-            <a:endParaRPr lang="pt-BR" sz="2000" dirty="0" smtClean="0"/>
+              <a:t>       Para o funcionamento do Github será necessário a instalação do git no computador.</a:t>
+            </a:r>
           </a:p>
           <a:p>
             <a:pPr algn="just">
@@ -4710,11 +5043,7 @@
             </a:r>
             <a:r>
               <a:rPr lang="pt-BR" sz="2200" dirty="0" smtClean="0"/>
-              <a:t>É </a:t>
-            </a:r>
-            <a:r>
-              <a:rPr lang="pt-BR" sz="2200" dirty="0" smtClean="0"/>
-              <a:t>uma rede social que permite seguir um perfil e receber atualizações do mesmo, permite também mandar mensagens diretas para um perfil, facilitando novas amizades e ampliando seu network.</a:t>
+              <a:t>É uma rede social que permite seguir um perfil e receber atualizações do mesmo, permite também mandar mensagens diretas para um perfil, facilitando novas amizades e ampliando seu network.</a:t>
             </a:r>
           </a:p>
           <a:p>
@@ -4731,38 +5060,18 @@
             </a:pPr>
             <a:r>
               <a:rPr lang="pt-BR" sz="2800" dirty="0" smtClean="0"/>
-              <a:t> Aprenda </a:t>
-            </a:r>
+              <a:t> Aprenda e colabore;</a:t>
+            </a:r>
+          </a:p>
+          <a:p>
+            <a:pPr algn="just"/>
             <a:r>
               <a:rPr lang="pt-BR" sz="2800" dirty="0" smtClean="0"/>
-              <a:t>e </a:t>
-            </a:r>
-            <a:r>
-              <a:rPr lang="pt-BR" sz="2800" dirty="0" smtClean="0"/>
-              <a:t>colabore;</a:t>
-            </a:r>
-          </a:p>
-          <a:p>
-            <a:pPr algn="just"/>
-            <a:r>
-              <a:rPr lang="pt-BR" sz="2800" dirty="0" smtClean="0"/>
-              <a:t> </a:t>
-            </a:r>
-            <a:r>
-              <a:rPr lang="pt-BR" sz="2800" dirty="0" smtClean="0"/>
-              <a:t>   </a:t>
+              <a:t>    </a:t>
             </a:r>
             <a:r>
               <a:rPr lang="pt-BR" sz="2200" dirty="0" smtClean="0"/>
-              <a:t>Acesso </a:t>
-            </a:r>
-            <a:r>
-              <a:rPr lang="pt-BR" sz="2200" dirty="0" smtClean="0"/>
-              <a:t>completo sobre um projeto open-source permitindo entender e compreender seu funcionamento, reportar bugs e realizar um fork desse projeto que seria baixá-lo para o seu perfil permitindo que você envie uma nova versão modificada e contribuída por você, seja enviando uma nova funcionalidade ou corrigindo alguns bugs, colaborando para o autor do projeto aprovar e publicar, dando os créditos a você que colaborou</a:t>
-            </a:r>
-            <a:r>
-              <a:rPr lang="pt-BR" sz="2200" dirty="0" smtClean="0"/>
-              <a:t>.</a:t>
+              <a:t>Acesso completo sobre um projeto open-source permitindo entender e compreender seu funcionamento, reportar bugs e realizar um fork desse projeto que seria baixá-lo para o seu perfil permitindo que você envie uma nova versão modificada e contribuída por você, seja enviando uma nova funcionalidade ou corrigindo alguns bugs, colaborando para o autor do projeto aprovar e publicar, dando os créditos a você que colaborou.</a:t>
             </a:r>
           </a:p>
           <a:p>
@@ -4776,11 +5085,7 @@
             </a:pPr>
             <a:r>
               <a:rPr lang="pt-BR" sz="2800" dirty="0" smtClean="0"/>
-              <a:t> </a:t>
-            </a:r>
-            <a:r>
-              <a:rPr lang="pt-BR" sz="2800" dirty="0" smtClean="0"/>
-              <a:t>Free (algumas funcionalidades) e pago;</a:t>
+              <a:t> Free (algumas funcionalidades) e pago;</a:t>
             </a:r>
           </a:p>
           <a:p>
@@ -4909,39 +5214,129 @@
         </p:spPr>
         <p:txBody>
           <a:bodyPr>
-            <a:normAutofit/>
+            <a:normAutofit lnSpcReduction="10000"/>
           </a:bodyPr>
           <a:lstStyle/>
+          <a:p>
+            <a:pPr algn="just"/>
+            <a:r>
+              <a:rPr lang="pt-BR" sz="2800" dirty="0" smtClean="0"/>
+              <a:t>                           Cadastro</a:t>
+            </a:r>
+          </a:p>
           <a:p>
             <a:pPr algn="just">
               <a:buFontTx/>
               <a:buChar char="-"/>
             </a:pPr>
-            <a:r>
-              <a:rPr lang="pt-BR" sz="2800" dirty="0" smtClean="0"/>
-              <a:t> Cadastro;</a:t>
-            </a:r>
+            <a:endParaRPr lang="pt-BR" sz="2800" dirty="0" smtClean="0"/>
           </a:p>
           <a:p>
             <a:pPr algn="just">
               <a:buFontTx/>
               <a:buChar char="-"/>
             </a:pPr>
+            <a:endParaRPr lang="pt-BR" sz="2800" dirty="0" smtClean="0"/>
+          </a:p>
+          <a:p>
+            <a:pPr algn="just">
+              <a:buFontTx/>
+              <a:buChar char="-"/>
+            </a:pPr>
+            <a:endParaRPr lang="pt-BR" sz="2800" dirty="0" smtClean="0"/>
+          </a:p>
+          <a:p>
+            <a:pPr algn="just">
+              <a:buFontTx/>
+              <a:buChar char="-"/>
+            </a:pPr>
+            <a:endParaRPr lang="pt-BR" sz="2800" dirty="0" smtClean="0"/>
+          </a:p>
+          <a:p>
+            <a:pPr algn="just">
+              <a:buFontTx/>
+              <a:buChar char="-"/>
+            </a:pPr>
+            <a:endParaRPr lang="pt-BR" sz="2800" dirty="0" smtClean="0"/>
+          </a:p>
+          <a:p>
+            <a:pPr algn="just">
+              <a:buFontTx/>
+              <a:buChar char="-"/>
+            </a:pPr>
+            <a:endParaRPr lang="pt-BR" sz="2800" dirty="0" smtClean="0"/>
+          </a:p>
+          <a:p>
+            <a:pPr algn="just">
+              <a:buFontTx/>
+              <a:buChar char="-"/>
+            </a:pPr>
+            <a:endParaRPr lang="pt-BR" sz="2800" dirty="0" smtClean="0"/>
+          </a:p>
+          <a:p>
+            <a:pPr algn="just">
+              <a:buFontTx/>
+              <a:buChar char="-"/>
+            </a:pPr>
+            <a:endParaRPr lang="pt-BR" sz="2800" dirty="0" smtClean="0"/>
+          </a:p>
+          <a:p>
+            <a:pPr algn="just"/>
             <a:r>
               <a:rPr lang="pt-BR" sz="2800" dirty="0" smtClean="0"/>
-              <a:t> </a:t>
-            </a:r>
-            <a:r>
-              <a:rPr lang="pt-BR" sz="2800" dirty="0" smtClean="0"/>
-              <a:t>Tela Inicial;</a:t>
-            </a:r>
-          </a:p>
-          <a:p>
-            <a:pPr algn="l"/>
-            <a:endParaRPr lang="pt-BR" sz="2800" dirty="0" smtClean="0"/>
-          </a:p>
-        </p:txBody>
-      </p:sp>
+              <a:t>                                                            Tela Inicial</a:t>
+            </a:r>
+          </a:p>
+        </p:txBody>
+      </p:sp>
+      <p:pic>
+        <p:nvPicPr>
+          <p:cNvPr id="5" name="Imagem 4" descr="cadastro github.png"/>
+          <p:cNvPicPr>
+            <a:picLocks noChangeAspect="1"/>
+          </p:cNvPicPr>
+          <p:nvPr/>
+        </p:nvPicPr>
+        <p:blipFill>
+          <a:blip r:embed="rId3"/>
+          <a:stretch>
+            <a:fillRect/>
+          </a:stretch>
+        </p:blipFill>
+        <p:spPr>
+          <a:xfrm>
+            <a:off x="4429124" y="785794"/>
+            <a:ext cx="4426005" cy="3602252"/>
+          </a:xfrm>
+          <a:prstGeom prst="rect">
+            <a:avLst/>
+          </a:prstGeom>
+        </p:spPr>
+      </p:pic>
+      <p:pic>
+        <p:nvPicPr>
+          <p:cNvPr id="6" name="Imagem 5" descr="tela inicial github.png"/>
+          <p:cNvPicPr>
+            <a:picLocks noChangeAspect="1"/>
+          </p:cNvPicPr>
+          <p:nvPr/>
+        </p:nvPicPr>
+        <p:blipFill>
+          <a:blip r:embed="rId4"/>
+          <a:stretch>
+            <a:fillRect/>
+          </a:stretch>
+        </p:blipFill>
+        <p:spPr>
+          <a:xfrm>
+            <a:off x="357158" y="2928934"/>
+            <a:ext cx="4993504" cy="3726421"/>
+          </a:xfrm>
+          <a:prstGeom prst="rect">
+            <a:avLst/>
+          </a:prstGeom>
+        </p:spPr>
+      </p:pic>
     </p:spTree>
   </p:cSld>
   <p:clrMapOvr>
@@ -5027,7 +5422,7 @@
               <a:rPr lang="pt-BR" sz="3600" dirty="0" smtClean="0">
                 <a:latin typeface="Arial Black" pitchFamily="34" charset="0"/>
               </a:rPr>
-              <a:t>GitHub Bootcamp</a:t>
+              <a:t>GitHub For Windows</a:t>
             </a:r>
             <a:r>
               <a:rPr lang="pt-BR" dirty="0" smtClean="0"/>
@@ -5068,7 +5463,7 @@
             </a:pPr>
             <a:r>
               <a:rPr lang="pt-BR" sz="2800" dirty="0" smtClean="0"/>
-              <a:t> Set up Git;</a:t>
+              <a:t> Instalação(aplicação + microsoft.NET framework 4.5);</a:t>
             </a:r>
           </a:p>
           <a:p>
@@ -5078,39 +5473,7 @@
             </a:pPr>
             <a:r>
               <a:rPr lang="pt-BR" sz="2800" dirty="0" smtClean="0"/>
-              <a:t> </a:t>
-            </a:r>
-            <a:r>
-              <a:rPr lang="pt-BR" sz="2800" dirty="0" smtClean="0"/>
-              <a:t>Create repositories;</a:t>
-            </a:r>
-          </a:p>
-          <a:p>
-            <a:pPr algn="just">
-              <a:buFontTx/>
-              <a:buChar char="-"/>
-            </a:pPr>
-            <a:r>
-              <a:rPr lang="pt-BR" sz="2800" dirty="0" smtClean="0"/>
-              <a:t> </a:t>
-            </a:r>
-            <a:r>
-              <a:rPr lang="pt-BR" sz="2800" dirty="0" smtClean="0"/>
-              <a:t>Fork repositories;</a:t>
-            </a:r>
-          </a:p>
-          <a:p>
-            <a:pPr algn="just">
-              <a:buFontTx/>
-              <a:buChar char="-"/>
-            </a:pPr>
-            <a:r>
-              <a:rPr lang="pt-BR" sz="2800" dirty="0" smtClean="0"/>
-              <a:t> </a:t>
-            </a:r>
-            <a:r>
-              <a:rPr lang="pt-BR" sz="2800" dirty="0" smtClean="0"/>
-              <a:t>Work together;</a:t>
+              <a:t> Tela Inicial;</a:t>
             </a:r>
           </a:p>
           <a:p>
@@ -5119,6 +5482,54 @@
           </a:p>
         </p:txBody>
       </p:sp>
+      <p:pic>
+        <p:nvPicPr>
+          <p:cNvPr id="5" name="Imagem 4" descr="Untitled-1.png"/>
+          <p:cNvPicPr>
+            <a:picLocks noChangeAspect="1"/>
+          </p:cNvPicPr>
+          <p:nvPr/>
+        </p:nvPicPr>
+        <p:blipFill>
+          <a:blip r:embed="rId3"/>
+          <a:stretch>
+            <a:fillRect/>
+          </a:stretch>
+        </p:blipFill>
+        <p:spPr>
+          <a:xfrm>
+            <a:off x="285720" y="2428868"/>
+            <a:ext cx="1285884" cy="1253737"/>
+          </a:xfrm>
+          <a:prstGeom prst="rect">
+            <a:avLst/>
+          </a:prstGeom>
+        </p:spPr>
+      </p:pic>
+      <p:pic>
+        <p:nvPicPr>
+          <p:cNvPr id="6" name="Imagem 5" descr="Untitled-2.png"/>
+          <p:cNvPicPr>
+            <a:picLocks noChangeAspect="1"/>
+          </p:cNvPicPr>
+          <p:nvPr/>
+        </p:nvPicPr>
+        <p:blipFill>
+          <a:blip r:embed="rId4"/>
+          <a:stretch>
+            <a:fillRect/>
+          </a:stretch>
+        </p:blipFill>
+        <p:spPr>
+          <a:xfrm>
+            <a:off x="1714480" y="2428867"/>
+            <a:ext cx="7000924" cy="4225557"/>
+          </a:xfrm>
+          <a:prstGeom prst="rect">
+            <a:avLst/>
+          </a:prstGeom>
+        </p:spPr>
+      </p:pic>
     </p:spTree>
   </p:cSld>
   <p:clrMapOvr>
@@ -5204,14 +5615,14 @@
               <a:rPr lang="pt-BR" sz="3600" dirty="0" smtClean="0">
                 <a:latin typeface="Arial Black" pitchFamily="34" charset="0"/>
               </a:rPr>
-              <a:t>GitHub Explore</a:t>
-            </a:r>
-            <a:r>
-              <a:rPr lang="pt-BR" dirty="0" smtClean="0"/>
+              <a:t>GitHub For Windows</a:t>
+            </a:r>
+            <a:r>
+              <a:rPr lang="pt-BR" sz="3200" dirty="0" smtClean="0"/>
               <a:t/>
             </a:r>
             <a:br>
-              <a:rPr lang="pt-BR" dirty="0" smtClean="0"/>
+              <a:rPr lang="pt-BR" sz="3200" dirty="0" smtClean="0"/>
             </a:br>
             <a:endParaRPr lang="pt-BR" dirty="0"/>
           </a:p>
@@ -5239,19 +5650,109 @@
           </a:bodyPr>
           <a:lstStyle/>
           <a:p>
+            <a:pPr algn="just">
+              <a:buFontTx/>
+              <a:buChar char="-"/>
+            </a:pPr>
+            <a:r>
+              <a:rPr lang="pt-PT" sz="2800" dirty="0" smtClean="0"/>
+              <a:t> É a maneira mais fácil de gerenciar seus repositórios em GitHub.com. </a:t>
+            </a:r>
+          </a:p>
+          <a:p>
+            <a:pPr algn="just">
+              <a:buFontTx/>
+              <a:buChar char="-"/>
+            </a:pPr>
+            <a:r>
+              <a:rPr lang="pt-PT" sz="2800" dirty="0" smtClean="0"/>
+              <a:t> Clone seus repositórios direto a partir do aplicativo ou clonar diretamente do GitHub.com;</a:t>
+            </a:r>
+          </a:p>
+          <a:p>
+            <a:pPr algn="just">
+              <a:buFontTx/>
+              <a:buChar char="-"/>
+            </a:pPr>
+            <a:endParaRPr lang="pt-PT" sz="2800" dirty="0" smtClean="0"/>
+          </a:p>
+          <a:p>
+            <a:pPr algn="just">
+              <a:buFontTx/>
+              <a:buChar char="-"/>
+            </a:pPr>
+            <a:endParaRPr lang="pt-PT" sz="2800" dirty="0" smtClean="0"/>
+          </a:p>
+          <a:p>
+            <a:pPr algn="just">
+              <a:buFontTx/>
+              <a:buChar char="-"/>
+            </a:pPr>
+            <a:endParaRPr lang="pt-PT" sz="2800" dirty="0" smtClean="0"/>
+          </a:p>
+          <a:p>
+            <a:pPr algn="just">
+              <a:buFontTx/>
+              <a:buChar char="-"/>
+            </a:pPr>
+            <a:endParaRPr lang="pt-PT" sz="2800" dirty="0" smtClean="0"/>
+          </a:p>
+          <a:p>
             <a:pPr algn="just"/>
-            <a:r>
-              <a:rPr lang="pt-BR" sz="2800" dirty="0" smtClean="0"/>
-              <a:t> </a:t>
-            </a:r>
-            <a:r>
-              <a:rPr lang="pt-BR" sz="2800" dirty="0" smtClean="0"/>
-              <a:t>Explorar outros projetos que utilizam o github para publicações e versionamento;</a:t>
-            </a:r>
-            <a:endParaRPr lang="pt-BR" sz="2800" dirty="0" smtClean="0"/>
-          </a:p>
-        </p:txBody>
-      </p:sp>
+            <a:endParaRPr lang="pt-PT" sz="1000" dirty="0" smtClean="0"/>
+          </a:p>
+          <a:p>
+            <a:pPr algn="just"/>
+            <a:endParaRPr lang="pt-PT" sz="1000" dirty="0" smtClean="0"/>
+          </a:p>
+          <a:p>
+            <a:pPr algn="just"/>
+            <a:endParaRPr lang="pt-PT" sz="1000" dirty="0" smtClean="0"/>
+          </a:p>
+          <a:p>
+            <a:pPr algn="just"/>
+            <a:endParaRPr lang="pt-PT" sz="1000" dirty="0" smtClean="0"/>
+          </a:p>
+          <a:p>
+            <a:pPr algn="just"/>
+            <a:r>
+              <a:rPr lang="pt-PT" sz="1000" dirty="0" smtClean="0"/>
+              <a:t>    </a:t>
+            </a:r>
+          </a:p>
+          <a:p>
+            <a:pPr algn="just"/>
+            <a:r>
+              <a:rPr lang="pt-PT" sz="1000" dirty="0" smtClean="0"/>
+              <a:t>        Fonte : https://github.com/blog/1127-github-for-windowsGitHub</a:t>
+            </a:r>
+          </a:p>
+        </p:txBody>
+      </p:sp>
+      <p:pic>
+        <p:nvPicPr>
+          <p:cNvPr id="5" name="Imagem 4" descr="clone-in-windows-button.png"/>
+          <p:cNvPicPr>
+            <a:picLocks noChangeAspect="1"/>
+          </p:cNvPicPr>
+          <p:nvPr/>
+        </p:nvPicPr>
+        <p:blipFill>
+          <a:blip r:embed="rId3"/>
+          <a:stretch>
+            <a:fillRect/>
+          </a:stretch>
+        </p:blipFill>
+        <p:spPr>
+          <a:xfrm>
+            <a:off x="428595" y="3214686"/>
+            <a:ext cx="7547203" cy="2786082"/>
+          </a:xfrm>
+          <a:prstGeom prst="rect">
+            <a:avLst/>
+          </a:prstGeom>
+        </p:spPr>
+      </p:pic>
     </p:spTree>
   </p:cSld>
   <p:clrMapOvr>
@@ -5337,14 +5838,14 @@
               <a:rPr lang="pt-BR" sz="3600" dirty="0" smtClean="0">
                 <a:latin typeface="Arial Black" pitchFamily="34" charset="0"/>
               </a:rPr>
-              <a:t>GitHub Gist</a:t>
-            </a:r>
-            <a:r>
-              <a:rPr lang="pt-BR" dirty="0" smtClean="0"/>
+              <a:t>GitHub For Windows</a:t>
+            </a:r>
+            <a:r>
+              <a:rPr lang="pt-BR" sz="3200" dirty="0" smtClean="0"/>
               <a:t/>
             </a:r>
             <a:br>
-              <a:rPr lang="pt-BR" dirty="0" smtClean="0"/>
+              <a:rPr lang="pt-BR" sz="3200" dirty="0" smtClean="0"/>
             </a:br>
             <a:endParaRPr lang="pt-BR" dirty="0"/>
           </a:p>
@@ -5372,30 +5873,13 @@
           </a:bodyPr>
           <a:lstStyle/>
           <a:p>
-            <a:pPr algn="just"/>
-            <a:r>
-              <a:rPr lang="pt-BR" sz="2800" dirty="0" smtClean="0"/>
-              <a:t>   É </a:t>
-            </a:r>
-            <a:r>
-              <a:rPr lang="pt-BR" sz="2800" dirty="0" smtClean="0"/>
-              <a:t>uma maneira simples de compartilhar trechos e pastas com outras pessoas. Todos os </a:t>
-            </a:r>
-            <a:r>
-              <a:rPr lang="pt-BR" sz="2800" dirty="0" smtClean="0"/>
-              <a:t>gists </a:t>
-            </a:r>
-            <a:r>
-              <a:rPr lang="pt-BR" sz="2800" dirty="0" smtClean="0"/>
-              <a:t>são repositórios Git, então eles são automaticamente </a:t>
-            </a:r>
-            <a:r>
-              <a:rPr lang="pt-BR" sz="2800" dirty="0" smtClean="0"/>
-              <a:t>versionados, </a:t>
-            </a:r>
-            <a:r>
-              <a:rPr lang="pt-BR" sz="2800" dirty="0" smtClean="0"/>
-              <a:t>forkable e utilizável do Git.</a:t>
+            <a:pPr algn="just">
+              <a:buFontTx/>
+              <a:buChar char="-"/>
+            </a:pPr>
+            <a:r>
+              <a:rPr lang="pt-PT" sz="2800" dirty="0" smtClean="0"/>
+              <a:t> Procurar commits, criar novos. Reverter alterações ou revertê-los inteiramente.</a:t>
             </a:r>
           </a:p>
         </p:txBody>
@@ -5485,7 +5969,7 @@
               <a:rPr lang="pt-BR" sz="3600" dirty="0" smtClean="0">
                 <a:latin typeface="Arial Black" pitchFamily="34" charset="0"/>
               </a:rPr>
-              <a:t>GitHub Blog</a:t>
+              <a:t>GitHub Bootcamp</a:t>
             </a:r>
             <a:r>
               <a:rPr lang="pt-BR" dirty="0" smtClean="0"/>
@@ -5520,11 +6004,47 @@
           </a:bodyPr>
           <a:lstStyle/>
           <a:p>
-            <a:pPr algn="just"/>
+            <a:pPr algn="just">
+              <a:buFontTx/>
+              <a:buChar char="-"/>
+            </a:pPr>
             <a:r>
               <a:rPr lang="pt-BR" sz="2800" dirty="0" smtClean="0"/>
-              <a:t>   abrir o blog da comunidade do github;</a:t>
-            </a:r>
+              <a:t> Set up Git;</a:t>
+            </a:r>
+          </a:p>
+          <a:p>
+            <a:pPr algn="just">
+              <a:buFontTx/>
+              <a:buChar char="-"/>
+            </a:pPr>
+            <a:r>
+              <a:rPr lang="pt-BR" sz="2800" dirty="0" smtClean="0"/>
+              <a:t> Create repositories;</a:t>
+            </a:r>
+          </a:p>
+          <a:p>
+            <a:pPr algn="just">
+              <a:buFontTx/>
+              <a:buChar char="-"/>
+            </a:pPr>
+            <a:r>
+              <a:rPr lang="pt-BR" sz="2800" dirty="0" smtClean="0"/>
+              <a:t> Fork repositories;</a:t>
+            </a:r>
+          </a:p>
+          <a:p>
+            <a:pPr algn="just">
+              <a:buFontTx/>
+              <a:buChar char="-"/>
+            </a:pPr>
+            <a:r>
+              <a:rPr lang="pt-BR" sz="2800" dirty="0" smtClean="0"/>
+              <a:t> Work together;</a:t>
+            </a:r>
+          </a:p>
+          <a:p>
+            <a:pPr algn="l"/>
             <a:endParaRPr lang="pt-BR" sz="2800" dirty="0" smtClean="0"/>
           </a:p>
         </p:txBody>

--- a/GitHub Seminario.pptx
+++ b/GitHub Seminario.pptx
@@ -14,10 +14,12 @@
     <p:sldId id="263" r:id="rId8"/>
     <p:sldId id="269" r:id="rId9"/>
     <p:sldId id="268" r:id="rId10"/>
-    <p:sldId id="264" r:id="rId11"/>
-    <p:sldId id="265" r:id="rId12"/>
-    <p:sldId id="266" r:id="rId13"/>
-    <p:sldId id="261" r:id="rId14"/>
+    <p:sldId id="270" r:id="rId11"/>
+    <p:sldId id="264" r:id="rId12"/>
+    <p:sldId id="265" r:id="rId13"/>
+    <p:sldId id="266" r:id="rId14"/>
+    <p:sldId id="261" r:id="rId15"/>
+    <p:sldId id="271" r:id="rId16"/>
   </p:sldIdLst>
   <p:sldSz cx="9144000" cy="6858000" type="screen4x3"/>
   <p:notesSz cx="6858000" cy="9144000"/>
@@ -4071,7 +4073,7 @@
               <a:rPr lang="pt-BR" sz="3600" dirty="0" smtClean="0">
                 <a:latin typeface="Arial Black" pitchFamily="34" charset="0"/>
               </a:rPr>
-              <a:t>GitHub Explore</a:t>
+              <a:t>GitHub Bootcamp</a:t>
             </a:r>
             <a:r>
               <a:rPr lang="pt-BR" dirty="0" smtClean="0"/>
@@ -4106,11 +4108,105 @@
           </a:bodyPr>
           <a:lstStyle/>
           <a:p>
-            <a:pPr algn="just"/>
+            <a:pPr algn="just">
+              <a:spcBef>
+                <a:spcPts val="0"/>
+              </a:spcBef>
+              <a:buFontTx/>
+              <a:buChar char="-"/>
+            </a:pPr>
             <a:r>
               <a:rPr lang="pt-BR" sz="2800" dirty="0" smtClean="0"/>
-              <a:t> Explorar outros projetos que utilizam o github para publicações e versionamento;</a:t>
-            </a:r>
+              <a:t> Fork repositories</a:t>
+            </a:r>
+            <a:r>
+              <a:rPr lang="pt-BR" sz="2800" dirty="0" smtClean="0"/>
+              <a:t>;</a:t>
+            </a:r>
+          </a:p>
+          <a:p>
+            <a:pPr algn="just">
+              <a:spcBef>
+                <a:spcPts val="0"/>
+              </a:spcBef>
+            </a:pPr>
+            <a:r>
+              <a:rPr lang="pt-BR" sz="2800" dirty="0" smtClean="0"/>
+              <a:t> </a:t>
+            </a:r>
+            <a:endParaRPr lang="pt-BR" sz="2200" dirty="0" smtClean="0"/>
+          </a:p>
+          <a:p>
+            <a:pPr algn="just">
+              <a:spcBef>
+                <a:spcPts val="0"/>
+              </a:spcBef>
+            </a:pPr>
+            <a:r>
+              <a:rPr lang="pt-BR" sz="2200" dirty="0" smtClean="0"/>
+              <a:t> </a:t>
+            </a:r>
+            <a:r>
+              <a:rPr lang="pt-BR" sz="2200" dirty="0" smtClean="0"/>
+              <a:t>  Caso queira contribuir </a:t>
+            </a:r>
+            <a:r>
+              <a:rPr lang="pt-BR" sz="2200" dirty="0" smtClean="0"/>
+              <a:t>com o projeto de outra pessoa, ou gostaria de usar projeto de alguém como o ponto de partida para o seu próprio. Isto é conhecido como </a:t>
+            </a:r>
+            <a:r>
+              <a:rPr lang="pt-BR" sz="2200" dirty="0" smtClean="0"/>
+              <a:t>“forking". </a:t>
+            </a:r>
+          </a:p>
+          <a:p>
+            <a:pPr algn="just">
+              <a:spcBef>
+                <a:spcPts val="0"/>
+              </a:spcBef>
+            </a:pPr>
+            <a:endParaRPr lang="pt-BR" sz="2800" dirty="0" smtClean="0"/>
+          </a:p>
+          <a:p>
+            <a:pPr algn="just">
+              <a:spcBef>
+                <a:spcPts val="0"/>
+              </a:spcBef>
+              <a:buFontTx/>
+              <a:buChar char="-"/>
+            </a:pPr>
+            <a:r>
+              <a:rPr lang="pt-BR" sz="2800" dirty="0" smtClean="0"/>
+              <a:t> Work together;</a:t>
+            </a:r>
+          </a:p>
+          <a:p>
+            <a:pPr algn="just">
+              <a:spcBef>
+                <a:spcPts val="0"/>
+              </a:spcBef>
+            </a:pPr>
+            <a:endParaRPr lang="pt-BR" sz="2800" dirty="0" smtClean="0"/>
+          </a:p>
+          <a:p>
+            <a:pPr algn="just">
+              <a:spcBef>
+                <a:spcPts val="0"/>
+              </a:spcBef>
+            </a:pPr>
+            <a:r>
+              <a:rPr lang="pt-BR" sz="2200" dirty="0" smtClean="0"/>
+              <a:t>   Uma </a:t>
+            </a:r>
+            <a:r>
+              <a:rPr lang="pt-BR" sz="2200" dirty="0" smtClean="0"/>
+              <a:t>das grandes características no GitHub é a capacidade de ver o que as outras pessoas estão trabalhando e que eles estão se conectando. Quando você segue alguém, você vai receber notificações no seu painel de controle sobre sua atividade GitHub.</a:t>
+            </a:r>
+            <a:endParaRPr lang="pt-BR" sz="2200" dirty="0" smtClean="0"/>
+          </a:p>
+          <a:p>
+            <a:pPr algn="l"/>
+            <a:endParaRPr lang="pt-BR" sz="2800" dirty="0" smtClean="0"/>
           </a:p>
         </p:txBody>
       </p:sp>
@@ -4199,7 +4295,7 @@
               <a:rPr lang="pt-BR" sz="3600" dirty="0" smtClean="0">
                 <a:latin typeface="Arial Black" pitchFamily="34" charset="0"/>
               </a:rPr>
-              <a:t>GitHub Gist</a:t>
+              <a:t>GitHub Explore</a:t>
             </a:r>
             <a:r>
               <a:rPr lang="pt-BR" dirty="0" smtClean="0"/>
@@ -4237,11 +4333,58 @@
             <a:pPr algn="just"/>
             <a:r>
               <a:rPr lang="pt-BR" sz="2800" dirty="0" smtClean="0"/>
-              <a:t>   É uma maneira simples de compartilhar trechos e pastas com outras pessoas. Todos os gists são repositórios Git, então eles são automaticamente versionados, forkable e utilizável do Git.</a:t>
-            </a:r>
-          </a:p>
-        </p:txBody>
-      </p:sp>
+              <a:t> Explorar outros projetos que utilizam o github para publicações e versionamento</a:t>
+            </a:r>
+            <a:r>
+              <a:rPr lang="pt-BR" sz="2800" dirty="0" smtClean="0"/>
+              <a:t>;</a:t>
+            </a:r>
+          </a:p>
+          <a:p>
+            <a:pPr algn="just"/>
+            <a:r>
+              <a:rPr lang="pt-PT" sz="2800" dirty="0" smtClean="0"/>
+              <a:t>  Procurar </a:t>
+            </a:r>
+            <a:r>
+              <a:rPr lang="pt-PT" sz="2800" dirty="0" smtClean="0"/>
+              <a:t>projetos </a:t>
+            </a:r>
+            <a:r>
+              <a:rPr lang="pt-PT" sz="2800" dirty="0" smtClean="0"/>
+              <a:t>interessantes podendo utiliza-los como Forks;</a:t>
+            </a:r>
+          </a:p>
+          <a:p>
+            <a:pPr algn="just"/>
+            <a:endParaRPr lang="pt-BR" sz="2800" dirty="0" smtClean="0"/>
+          </a:p>
+        </p:txBody>
+      </p:sp>
+      <p:pic>
+        <p:nvPicPr>
+          <p:cNvPr id="5" name="Imagem 4" descr="Sem título.png"/>
+          <p:cNvPicPr>
+            <a:picLocks noChangeAspect="1"/>
+          </p:cNvPicPr>
+          <p:nvPr/>
+        </p:nvPicPr>
+        <p:blipFill>
+          <a:blip r:embed="rId3"/>
+          <a:stretch>
+            <a:fillRect/>
+          </a:stretch>
+        </p:blipFill>
+        <p:spPr>
+          <a:xfrm>
+            <a:off x="2928926" y="2928934"/>
+            <a:ext cx="5357850" cy="3743009"/>
+          </a:xfrm>
+          <a:prstGeom prst="rect">
+            <a:avLst/>
+          </a:prstGeom>
+        </p:spPr>
+      </p:pic>
     </p:spTree>
   </p:cSld>
   <p:clrMapOvr>
@@ -4327,7 +4470,7 @@
               <a:rPr lang="pt-BR" sz="3600" dirty="0" smtClean="0">
                 <a:latin typeface="Arial Black" pitchFamily="34" charset="0"/>
               </a:rPr>
-              <a:t>GitHub Blog</a:t>
+              <a:t>GitHub Gist</a:t>
             </a:r>
             <a:r>
               <a:rPr lang="pt-BR" dirty="0" smtClean="0"/>
@@ -4365,11 +4508,35 @@
             <a:pPr algn="just"/>
             <a:r>
               <a:rPr lang="pt-BR" sz="2800" dirty="0" smtClean="0"/>
-              <a:t>   abrir o blog da comunidade do github;</a:t>
-            </a:r>
-          </a:p>
-        </p:txBody>
-      </p:sp>
+              <a:t>   É uma maneira simples de compartilhar trechos e pastas com outras pessoas. Todos os gists são repositórios Git, então eles são automaticamente versionados, forkable e utilizável do Git.</a:t>
+            </a:r>
+          </a:p>
+        </p:txBody>
+      </p:sp>
+      <p:pic>
+        <p:nvPicPr>
+          <p:cNvPr id="5" name="Imagem 4" descr="Sem título 01.png"/>
+          <p:cNvPicPr>
+            <a:picLocks noChangeAspect="1"/>
+          </p:cNvPicPr>
+          <p:nvPr/>
+        </p:nvPicPr>
+        <p:blipFill>
+          <a:blip r:embed="rId3"/>
+          <a:stretch>
+            <a:fillRect/>
+          </a:stretch>
+        </p:blipFill>
+        <p:spPr>
+          <a:xfrm>
+            <a:off x="1142976" y="3143248"/>
+            <a:ext cx="6122759" cy="3500462"/>
+          </a:xfrm>
+          <a:prstGeom prst="rect">
+            <a:avLst/>
+          </a:prstGeom>
+        </p:spPr>
+      </p:pic>
     </p:spTree>
   </p:cSld>
   <p:clrMapOvr>
@@ -4440,6 +4607,158 @@
         </p:nvSpPr>
         <p:spPr>
           <a:xfrm>
+            <a:off x="1000100" y="571480"/>
+            <a:ext cx="7643866" cy="928694"/>
+          </a:xfrm>
+        </p:spPr>
+        <p:txBody>
+          <a:bodyPr>
+            <a:normAutofit fontScale="90000"/>
+          </a:bodyPr>
+          <a:lstStyle/>
+          <a:p>
+            <a:pPr algn="l"/>
+            <a:r>
+              <a:rPr lang="pt-BR" sz="3600" dirty="0" smtClean="0">
+                <a:latin typeface="Arial Black" pitchFamily="34" charset="0"/>
+              </a:rPr>
+              <a:t>GitHub Blog</a:t>
+            </a:r>
+            <a:r>
+              <a:rPr lang="pt-BR" dirty="0" smtClean="0"/>
+              <a:t/>
+            </a:r>
+            <a:br>
+              <a:rPr lang="pt-BR" dirty="0" smtClean="0"/>
+            </a:br>
+            <a:endParaRPr lang="pt-BR" dirty="0"/>
+          </a:p>
+        </p:txBody>
+      </p:sp>
+      <p:sp>
+        <p:nvSpPr>
+          <p:cNvPr id="3" name="Subtítulo 2"/>
+          <p:cNvSpPr>
+            <a:spLocks noGrp="1"/>
+          </p:cNvSpPr>
+          <p:nvPr>
+            <p:ph type="subTitle" idx="1"/>
+          </p:nvPr>
+        </p:nvSpPr>
+        <p:spPr>
+          <a:xfrm>
+            <a:off x="214282" y="1285860"/>
+            <a:ext cx="8572560" cy="5072098"/>
+          </a:xfrm>
+        </p:spPr>
+        <p:txBody>
+          <a:bodyPr>
+            <a:normAutofit/>
+          </a:bodyPr>
+          <a:lstStyle/>
+          <a:p>
+            <a:pPr algn="just"/>
+            <a:r>
+              <a:rPr lang="pt-BR" sz="2800" dirty="0" smtClean="0"/>
+              <a:t>   abrir o blog da comunidade do github;</a:t>
+            </a:r>
+          </a:p>
+        </p:txBody>
+      </p:sp>
+      <p:pic>
+        <p:nvPicPr>
+          <p:cNvPr id="5" name="Imagem 4" descr="Sem título 02.png"/>
+          <p:cNvPicPr>
+            <a:picLocks noChangeAspect="1"/>
+          </p:cNvPicPr>
+          <p:nvPr/>
+        </p:nvPicPr>
+        <p:blipFill>
+          <a:blip r:embed="rId3"/>
+          <a:stretch>
+            <a:fillRect/>
+          </a:stretch>
+        </p:blipFill>
+        <p:spPr>
+          <a:xfrm>
+            <a:off x="500034" y="1857364"/>
+            <a:ext cx="7429552" cy="4787273"/>
+          </a:xfrm>
+          <a:prstGeom prst="rect">
+            <a:avLst/>
+          </a:prstGeom>
+        </p:spPr>
+      </p:pic>
+    </p:spTree>
+  </p:cSld>
+  <p:clrMapOvr>
+    <a:masterClrMapping/>
+  </p:clrMapOvr>
+  <p:timing>
+    <p:tnLst>
+      <p:par>
+        <p:cTn id="1" dur="indefinite" restart="never" nodeType="tmRoot"/>
+      </p:par>
+    </p:tnLst>
+  </p:timing>
+</p:sld>
+</file>
+
+<file path=ppt/slides/slide14.xml><?xml version="1.0" encoding="utf-8"?>
+<p:sld xmlns:a="http://schemas.openxmlformats.org/drawingml/2006/main" xmlns:r="http://schemas.openxmlformats.org/officeDocument/2006/relationships" xmlns:p="http://schemas.openxmlformats.org/presentationml/2006/main">
+  <p:cSld>
+    <p:spTree>
+      <p:nvGrpSpPr>
+        <p:cNvPr id="1" name=""/>
+        <p:cNvGrpSpPr/>
+        <p:nvPr/>
+      </p:nvGrpSpPr>
+      <p:grpSpPr>
+        <a:xfrm>
+          <a:off x="0" y="0"/>
+          <a:ext cx="0" cy="0"/>
+          <a:chOff x="0" y="0"/>
+          <a:chExt cx="0" cy="0"/>
+        </a:xfrm>
+      </p:grpSpPr>
+      <p:pic>
+        <p:nvPicPr>
+          <p:cNvPr id="1026" name="Picture 2" descr="Github Social Coding"/>
+          <p:cNvPicPr>
+            <a:picLocks noChangeAspect="1" noChangeArrowheads="1"/>
+          </p:cNvPicPr>
+          <p:nvPr/>
+        </p:nvPicPr>
+        <p:blipFill>
+          <a:blip r:embed="rId2"/>
+          <a:srcRect/>
+          <a:stretch>
+            <a:fillRect/>
+          </a:stretch>
+        </p:blipFill>
+        <p:spPr bwMode="auto">
+          <a:xfrm>
+            <a:off x="142844" y="142852"/>
+            <a:ext cx="734725" cy="928693"/>
+          </a:xfrm>
+          <a:prstGeom prst="rect">
+            <a:avLst/>
+          </a:prstGeom>
+          <a:noFill/>
+        </p:spPr>
+      </p:pic>
+      <p:sp>
+        <p:nvSpPr>
+          <p:cNvPr id="2" name="Título 1"/>
+          <p:cNvSpPr>
+            <a:spLocks noGrp="1"/>
+          </p:cNvSpPr>
+          <p:nvPr>
+            <p:ph type="ctrTitle"/>
+          </p:nvPr>
+        </p:nvSpPr>
+        <p:spPr>
+          <a:xfrm>
             <a:off x="1000100" y="357166"/>
             <a:ext cx="7643866" cy="1285884"/>
           </a:xfrm>
@@ -4505,7 +4824,141 @@
             <a:pPr algn="just"/>
             <a:r>
               <a:rPr lang="pt-BR" sz="2400" dirty="0" smtClean="0"/>
-              <a:t>Diversos projetos grandes já estão no GitHub. Listamos alguns repositórios:</a:t>
+              <a:t>GitHub também é uma empresa comercial que cobra para contas que mantêm repositórios privados, mas qualquer um pode rapidamente obter uma conta gratuita para hospedar tantos projetos de código aberto quanto quiser.</a:t>
+            </a:r>
+            <a:endParaRPr lang="pt-BR" sz="2400" dirty="0" smtClean="0"/>
+          </a:p>
+        </p:txBody>
+      </p:sp>
+    </p:spTree>
+  </p:cSld>
+  <p:clrMapOvr>
+    <a:masterClrMapping/>
+  </p:clrMapOvr>
+  <p:timing>
+    <p:tnLst>
+      <p:par>
+        <p:cTn id="1" dur="indefinite" restart="never" nodeType="tmRoot"/>
+      </p:par>
+    </p:tnLst>
+  </p:timing>
+</p:sld>
+</file>
+
+<file path=ppt/slides/slide15.xml><?xml version="1.0" encoding="utf-8"?>
+<p:sld xmlns:a="http://schemas.openxmlformats.org/drawingml/2006/main" xmlns:r="http://schemas.openxmlformats.org/officeDocument/2006/relationships" xmlns:p="http://schemas.openxmlformats.org/presentationml/2006/main">
+  <p:cSld>
+    <p:spTree>
+      <p:nvGrpSpPr>
+        <p:cNvPr id="1" name=""/>
+        <p:cNvGrpSpPr/>
+        <p:nvPr/>
+      </p:nvGrpSpPr>
+      <p:grpSpPr>
+        <a:xfrm>
+          <a:off x="0" y="0"/>
+          <a:ext cx="0" cy="0"/>
+          <a:chOff x="0" y="0"/>
+          <a:chExt cx="0" cy="0"/>
+        </a:xfrm>
+      </p:grpSpPr>
+      <p:pic>
+        <p:nvPicPr>
+          <p:cNvPr id="1026" name="Picture 2" descr="Github Social Coding"/>
+          <p:cNvPicPr>
+            <a:picLocks noChangeAspect="1" noChangeArrowheads="1"/>
+          </p:cNvPicPr>
+          <p:nvPr/>
+        </p:nvPicPr>
+        <p:blipFill>
+          <a:blip r:embed="rId2"/>
+          <a:srcRect/>
+          <a:stretch>
+            <a:fillRect/>
+          </a:stretch>
+        </p:blipFill>
+        <p:spPr bwMode="auto">
+          <a:xfrm>
+            <a:off x="142844" y="142852"/>
+            <a:ext cx="734725" cy="928693"/>
+          </a:xfrm>
+          <a:prstGeom prst="rect">
+            <a:avLst/>
+          </a:prstGeom>
+          <a:noFill/>
+        </p:spPr>
+      </p:pic>
+      <p:sp>
+        <p:nvSpPr>
+          <p:cNvPr id="2" name="Título 1"/>
+          <p:cNvSpPr>
+            <a:spLocks noGrp="1"/>
+          </p:cNvSpPr>
+          <p:nvPr>
+            <p:ph type="ctrTitle"/>
+          </p:nvPr>
+        </p:nvSpPr>
+        <p:spPr>
+          <a:xfrm>
+            <a:off x="1000100" y="357166"/>
+            <a:ext cx="7643866" cy="1285884"/>
+          </a:xfrm>
+        </p:spPr>
+        <p:txBody>
+          <a:bodyPr>
+            <a:normAutofit fontScale="90000"/>
+          </a:bodyPr>
+          <a:lstStyle/>
+          <a:p>
+            <a:pPr algn="l"/>
+            <a:r>
+              <a:rPr lang="pt-BR" sz="3600" dirty="0" smtClean="0">
+                <a:latin typeface="Arial" pitchFamily="34" charset="0"/>
+                <a:cs typeface="Arial" pitchFamily="34" charset="0"/>
+              </a:rPr>
+              <a:t>Conclusão</a:t>
+            </a:r>
+            <a:r>
+              <a:rPr lang="pt-BR" dirty="0" smtClean="0"/>
+              <a:t/>
+            </a:r>
+            <a:br>
+              <a:rPr lang="pt-BR" dirty="0" smtClean="0"/>
+            </a:br>
+            <a:endParaRPr lang="pt-BR" dirty="0"/>
+          </a:p>
+        </p:txBody>
+      </p:sp>
+      <p:sp>
+        <p:nvSpPr>
+          <p:cNvPr id="3" name="Subtítulo 2"/>
+          <p:cNvSpPr>
+            <a:spLocks noGrp="1"/>
+          </p:cNvSpPr>
+          <p:nvPr>
+            <p:ph type="subTitle" idx="1"/>
+          </p:nvPr>
+        </p:nvSpPr>
+        <p:spPr>
+          <a:xfrm>
+            <a:off x="214282" y="1285860"/>
+            <a:ext cx="8572560" cy="5072098"/>
+          </a:xfrm>
+        </p:spPr>
+        <p:txBody>
+          <a:bodyPr>
+            <a:normAutofit/>
+          </a:bodyPr>
+          <a:lstStyle/>
+          <a:p>
+            <a:pPr algn="just"/>
+            <a:r>
+              <a:rPr lang="pt-BR" sz="2400" dirty="0" smtClean="0"/>
+              <a:t>Diversos </a:t>
+            </a:r>
+            <a:r>
+              <a:rPr lang="pt-BR" sz="2400" dirty="0" smtClean="0"/>
+              <a:t>projetos grandes já estão no GitHub. Listamos alguns repositórios:</a:t>
             </a:r>
           </a:p>
           <a:p>
@@ -4526,8 +4979,36 @@
             <a:pPr algn="just"/>
             <a:r>
               <a:rPr lang="pt-BR" sz="2400" dirty="0" smtClean="0"/>
-              <a:t>      ECLIPSE(https://github.com/eclipse/)</a:t>
-            </a:r>
+              <a:t>      ECLIPSE(</a:t>
+            </a:r>
+            <a:r>
+              <a:rPr lang="pt-BR" sz="2400" dirty="0" smtClean="0">
+                <a:hlinkClick r:id="rId3"/>
+              </a:rPr>
+              <a:t>https://github.com/eclipse</a:t>
+            </a:r>
+            <a:r>
+              <a:rPr lang="pt-BR" sz="2400" dirty="0" smtClean="0">
+                <a:hlinkClick r:id="rId3"/>
+              </a:rPr>
+              <a:t>/</a:t>
+            </a:r>
+            <a:r>
+              <a:rPr lang="pt-BR" sz="2400" dirty="0" smtClean="0"/>
+              <a:t>)</a:t>
+            </a:r>
+          </a:p>
+          <a:p>
+            <a:pPr algn="just"/>
+            <a:endParaRPr lang="pt-BR" sz="2400" dirty="0" smtClean="0"/>
+          </a:p>
+          <a:p>
+            <a:pPr algn="just"/>
+            <a:endParaRPr lang="pt-BR" sz="2400" dirty="0" smtClean="0"/>
+          </a:p>
+          <a:p>
+            <a:pPr algn="just"/>
+            <a:endParaRPr lang="pt-BR" sz="2400" dirty="0" smtClean="0"/>
           </a:p>
         </p:txBody>
       </p:sp>
@@ -5670,68 +6151,14 @@
             </a:r>
           </a:p>
           <a:p>
-            <a:pPr algn="just">
-              <a:buFontTx/>
-              <a:buChar char="-"/>
-            </a:pPr>
+            <a:pPr algn="just"/>
             <a:endParaRPr lang="pt-PT" sz="2800" dirty="0" smtClean="0"/>
-          </a:p>
-          <a:p>
-            <a:pPr algn="just">
-              <a:buFontTx/>
-              <a:buChar char="-"/>
-            </a:pPr>
-            <a:endParaRPr lang="pt-PT" sz="2800" dirty="0" smtClean="0"/>
-          </a:p>
-          <a:p>
-            <a:pPr algn="just">
-              <a:buFontTx/>
-              <a:buChar char="-"/>
-            </a:pPr>
-            <a:endParaRPr lang="pt-PT" sz="2800" dirty="0" smtClean="0"/>
-          </a:p>
-          <a:p>
-            <a:pPr algn="just">
-              <a:buFontTx/>
-              <a:buChar char="-"/>
-            </a:pPr>
-            <a:endParaRPr lang="pt-PT" sz="2800" dirty="0" smtClean="0"/>
-          </a:p>
-          <a:p>
-            <a:pPr algn="just"/>
-            <a:endParaRPr lang="pt-PT" sz="1000" dirty="0" smtClean="0"/>
-          </a:p>
-          <a:p>
-            <a:pPr algn="just"/>
-            <a:endParaRPr lang="pt-PT" sz="1000" dirty="0" smtClean="0"/>
-          </a:p>
-          <a:p>
-            <a:pPr algn="just"/>
-            <a:endParaRPr lang="pt-PT" sz="1000" dirty="0" smtClean="0"/>
-          </a:p>
-          <a:p>
-            <a:pPr algn="just"/>
-            <a:endParaRPr lang="pt-PT" sz="1000" dirty="0" smtClean="0"/>
-          </a:p>
-          <a:p>
-            <a:pPr algn="just"/>
-            <a:r>
-              <a:rPr lang="pt-PT" sz="1000" dirty="0" smtClean="0"/>
-              <a:t>    </a:t>
-            </a:r>
-          </a:p>
-          <a:p>
-            <a:pPr algn="just"/>
-            <a:r>
-              <a:rPr lang="pt-PT" sz="1000" dirty="0" smtClean="0"/>
-              <a:t>        Fonte : https://github.com/blog/1127-github-for-windowsGitHub</a:t>
-            </a:r>
           </a:p>
         </p:txBody>
       </p:sp>
       <p:pic>
         <p:nvPicPr>
-          <p:cNvPr id="5" name="Imagem 4" descr="clone-in-windows-button.png"/>
+          <p:cNvPr id="6" name="Imagem 5" descr="Untitled-1.png"/>
           <p:cNvPicPr>
             <a:picLocks noChangeAspect="1"/>
           </p:cNvPicPr>
@@ -5745,8 +6172,8 @@
         </p:blipFill>
         <p:spPr>
           <a:xfrm>
-            <a:off x="428595" y="3214686"/>
-            <a:ext cx="7547203" cy="2786082"/>
+            <a:off x="857224" y="3143248"/>
+            <a:ext cx="5143536" cy="3474440"/>
           </a:xfrm>
           <a:prstGeom prst="rect">
             <a:avLst/>
@@ -5869,7 +6296,7 @@
         </p:spPr>
         <p:txBody>
           <a:bodyPr>
-            <a:normAutofit/>
+            <a:normAutofit lnSpcReduction="10000"/>
           </a:bodyPr>
           <a:lstStyle/>
           <a:p>
@@ -5879,8 +6306,88 @@
             </a:pPr>
             <a:r>
               <a:rPr lang="pt-PT" sz="2800" dirty="0" smtClean="0"/>
-              <a:t> Procurar commits, criar novos. Reverter alterações ou revertê-los inteiramente.</a:t>
-            </a:r>
+              <a:t> Procurar commits, criar novos. Reverter alterações ou revertê-los inteiramente. (History</a:t>
+            </a:r>
+            <a:r>
+              <a:rPr lang="pt-PT" sz="2800" dirty="0" smtClean="0"/>
+              <a:t>);</a:t>
+            </a:r>
+          </a:p>
+          <a:p>
+            <a:pPr algn="just">
+              <a:buFontTx/>
+              <a:buChar char="-"/>
+            </a:pPr>
+            <a:r>
+              <a:rPr lang="pt-PT" sz="2800" dirty="0" smtClean="0"/>
+              <a:t> </a:t>
+            </a:r>
+            <a:r>
+              <a:rPr lang="pt-PT" sz="2800" dirty="0" smtClean="0"/>
+              <a:t>Encontre e confira Branches;</a:t>
+            </a:r>
+          </a:p>
+          <a:p>
+            <a:pPr algn="just">
+              <a:buFontTx/>
+              <a:buChar char="-"/>
+            </a:pPr>
+            <a:r>
+              <a:rPr lang="pt-PT" sz="2800" dirty="0" smtClean="0"/>
+              <a:t> </a:t>
+            </a:r>
+            <a:r>
+              <a:rPr lang="pt-PT" sz="2800" dirty="0" smtClean="0"/>
+              <a:t>Crie e Publique Branches; (Tanto pelo GitHub como GitHub.com)</a:t>
+            </a:r>
+          </a:p>
+          <a:p>
+            <a:pPr algn="just">
+              <a:buFontTx/>
+              <a:buChar char="-"/>
+            </a:pPr>
+            <a:r>
+              <a:rPr lang="pt-PT" sz="2800" dirty="0" smtClean="0"/>
+              <a:t> </a:t>
+            </a:r>
+            <a:r>
+              <a:rPr lang="pt-PT" sz="2800" dirty="0" smtClean="0"/>
+              <a:t>Faça Merge ou Delete-os; </a:t>
+            </a:r>
+            <a:r>
+              <a:rPr lang="pt-PT" sz="2800" dirty="0" smtClean="0"/>
+              <a:t>(Tanto pelo GitHub como GitHub.com</a:t>
+            </a:r>
+            <a:r>
+              <a:rPr lang="pt-PT" sz="2800" dirty="0" smtClean="0"/>
+              <a:t>)</a:t>
+            </a:r>
+          </a:p>
+          <a:p>
+            <a:pPr algn="just"/>
+            <a:endParaRPr lang="pt-PT" sz="2800" dirty="0" smtClean="0"/>
+          </a:p>
+          <a:p>
+            <a:pPr algn="just"/>
+            <a:r>
+              <a:rPr lang="pt-PT" sz="2800" dirty="0" smtClean="0"/>
+              <a:t>O aplicativo é escrito em C # e usa uma tonelada de grandes projetos de código aberto, muitos deles hospedados no GitHub. </a:t>
+            </a:r>
+            <a:endParaRPr lang="pt-PT" sz="2800" dirty="0" smtClean="0"/>
+          </a:p>
+          <a:p>
+            <a:pPr algn="just">
+              <a:buFontTx/>
+              <a:buChar char="-"/>
+            </a:pPr>
+            <a:endParaRPr lang="pt-PT" sz="2800" dirty="0" smtClean="0"/>
+          </a:p>
+          <a:p>
+            <a:pPr algn="just">
+              <a:buFontTx/>
+              <a:buChar char="-"/>
+            </a:pPr>
+            <a:endParaRPr lang="pt-PT" sz="2800" dirty="0" smtClean="0"/>
           </a:p>
         </p:txBody>
       </p:sp>
@@ -6005,43 +6512,122 @@
           <a:lstStyle/>
           <a:p>
             <a:pPr algn="just">
+              <a:spcBef>
+                <a:spcPts val="0"/>
+              </a:spcBef>
               <a:buFontTx/>
               <a:buChar char="-"/>
             </a:pPr>
             <a:r>
               <a:rPr lang="pt-BR" sz="2800" dirty="0" smtClean="0"/>
-              <a:t> Set up Git;</a:t>
+              <a:t> Set up </a:t>
+            </a:r>
+            <a:r>
+              <a:rPr lang="pt-BR" sz="2800" dirty="0" smtClean="0"/>
+              <a:t>Git</a:t>
             </a:r>
           </a:p>
           <a:p>
             <a:pPr algn="just">
+              <a:spcBef>
+                <a:spcPts val="0"/>
+              </a:spcBef>
               <a:buFontTx/>
               <a:buChar char="-"/>
             </a:pPr>
+            <a:endParaRPr lang="pt-BR" sz="2800" dirty="0" smtClean="0"/>
+          </a:p>
+          <a:p>
+            <a:pPr algn="just">
+              <a:spcBef>
+                <a:spcPts val="0"/>
+              </a:spcBef>
+            </a:pPr>
             <a:r>
               <a:rPr lang="pt-BR" sz="2800" dirty="0" smtClean="0"/>
-              <a:t> Create repositories;</a:t>
+              <a:t> </a:t>
+            </a:r>
+            <a:r>
+              <a:rPr lang="pt-BR" sz="2800" dirty="0" smtClean="0"/>
+              <a:t>   </a:t>
+            </a:r>
+            <a:r>
+              <a:rPr lang="pt-BR" sz="2200" dirty="0" smtClean="0"/>
+              <a:t>Guia de configuração do Git para trabalhar com Github para novos usuários;</a:t>
             </a:r>
           </a:p>
           <a:p>
             <a:pPr algn="just">
+              <a:spcBef>
+                <a:spcPts val="0"/>
+              </a:spcBef>
+            </a:pPr>
+            <a:endParaRPr lang="pt-BR" sz="2800" dirty="0" smtClean="0"/>
+          </a:p>
+          <a:p>
+            <a:pPr algn="just">
+              <a:spcBef>
+                <a:spcPts val="0"/>
+              </a:spcBef>
               <a:buFontTx/>
               <a:buChar char="-"/>
             </a:pPr>
             <a:r>
               <a:rPr lang="pt-BR" sz="2800" dirty="0" smtClean="0"/>
-              <a:t> Fork repositories;</a:t>
+              <a:t> Create repositories</a:t>
+            </a:r>
+            <a:r>
+              <a:rPr lang="pt-BR" sz="2800" dirty="0" smtClean="0"/>
+              <a:t>;</a:t>
             </a:r>
           </a:p>
           <a:p>
             <a:pPr algn="just">
-              <a:buFontTx/>
-              <a:buChar char="-"/>
+              <a:spcBef>
+                <a:spcPts val="0"/>
+              </a:spcBef>
             </a:pPr>
+            <a:endParaRPr lang="pt-BR" sz="2800" dirty="0" smtClean="0"/>
+          </a:p>
+          <a:p>
+            <a:pPr algn="just">
+              <a:spcBef>
+                <a:spcPts val="0"/>
+              </a:spcBef>
+            </a:pPr>
             <a:r>
               <a:rPr lang="pt-BR" sz="2800" dirty="0" smtClean="0"/>
-              <a:t> Work together;</a:t>
-            </a:r>
+              <a:t> </a:t>
+            </a:r>
+            <a:r>
+              <a:rPr lang="pt-BR" sz="2800" dirty="0" smtClean="0"/>
+              <a:t>  </a:t>
+            </a:r>
+            <a:r>
+              <a:rPr lang="pt-BR" sz="2200" dirty="0" smtClean="0"/>
+              <a:t>Guia para criar um novo repositório no GitHub;</a:t>
+            </a:r>
+            <a:endParaRPr lang="pt-BR" sz="2200" dirty="0" smtClean="0"/>
+          </a:p>
+          <a:p>
+            <a:pPr algn="just">
+              <a:spcBef>
+                <a:spcPts val="0"/>
+              </a:spcBef>
+            </a:pPr>
+            <a:r>
+              <a:rPr lang="pt-BR" sz="2200" dirty="0" smtClean="0"/>
+              <a:t>    </a:t>
+            </a:r>
+            <a:r>
+              <a:rPr lang="pt-BR" sz="2200" dirty="0" smtClean="0"/>
+              <a:t>No </a:t>
+            </a:r>
+            <a:r>
+              <a:rPr lang="pt-BR" sz="2200" dirty="0" smtClean="0"/>
+              <a:t>GitHub, você pode armazenar todos os tipos de projetos nos repositórios. Repositórios pessoais pertencem a contas de usuário, então depois que você se inscreveu para o GitHub, você pode criar seu primeiro repositório!</a:t>
+            </a:r>
+            <a:endParaRPr lang="pt-BR" sz="2200" dirty="0" smtClean="0"/>
           </a:p>
           <a:p>
             <a:pPr algn="l"/>
